--- a/images/data.pptx
+++ b/images/data.pptx
@@ -1,11 +1,12 @@
 
 <file path=ppt/presentation.xml><?xml version="1.0" encoding="utf-8"?>
-<p:presentation xmlns:a="http://schemas.openxmlformats.org/drawingml/2006/main" xmlns:r="http://schemas.openxmlformats.org/officeDocument/2006/relationships" xmlns:p="http://schemas.openxmlformats.org/presentationml/2006/main" saveSubsetFonts="1">
+<p:presentation xmlns:a="http://schemas.openxmlformats.org/drawingml/2006/main" xmlns:r="http://schemas.openxmlformats.org/officeDocument/2006/relationships" xmlns:p="http://schemas.openxmlformats.org/presentationml/2006/main">
   <p:sldMasterIdLst>
     <p:sldMasterId id="2147483648" r:id="rId1"/>
   </p:sldMasterIdLst>
   <p:sldIdLst>
     <p:sldId id="256" r:id="rId2"/>
+    <p:sldId id="257" r:id="rId3"/>
   </p:sldIdLst>
   <p:sldSz cx="12192000" cy="6858000"/>
   <p:notesSz cx="6858000" cy="9144000"/>
@@ -104,6 +105,11 @@
       </a:defRPr>
     </a:lvl9pPr>
   </p:defaultTextStyle>
+  <p:extLst>
+    <p:ext uri="{EFAFB233-063F-42B5-8137-9DF3F51BA10A}">
+      <p15:sldGuideLst xmlns:p15="http://schemas.microsoft.com/office/powerpoint/2012/main"/>
+    </p:ext>
+  </p:extLst>
 </p:presentation>
 </file>
 
@@ -126,13 +132,7 @@
       </p:grpSpPr>
       <p:sp>
         <p:nvSpPr>
-          <p:cNvPr id="2" name="Title 1">
-            <a:extLst>
-              <a:ext uri="{FF2B5EF4-FFF2-40B4-BE49-F238E27FC236}">
-                <a16:creationId xmlns:a16="http://schemas.microsoft.com/office/drawing/2014/main" id="{859B2D1A-CF01-47A1-AF5A-E0A534D7A8BC}"/>
-              </a:ext>
-            </a:extLst>
-          </p:cNvPr>
+          <p:cNvPr id="2" name="Title 1"/>
           <p:cNvSpPr>
             <a:spLocks noGrp="1"/>
           </p:cNvSpPr>
@@ -164,13 +164,7 @@
       </p:sp>
       <p:sp>
         <p:nvSpPr>
-          <p:cNvPr id="3" name="Subtitle 2">
-            <a:extLst>
-              <a:ext uri="{FF2B5EF4-FFF2-40B4-BE49-F238E27FC236}">
-                <a16:creationId xmlns:a16="http://schemas.microsoft.com/office/drawing/2014/main" id="{7877014E-2A11-408A-923D-B907B7970F70}"/>
-              </a:ext>
-            </a:extLst>
-          </p:cNvPr>
+          <p:cNvPr id="3" name="Subtitle 2"/>
           <p:cNvSpPr>
             <a:spLocks noGrp="1"/>
           </p:cNvSpPr>
@@ -235,13 +229,7 @@
       </p:sp>
       <p:sp>
         <p:nvSpPr>
-          <p:cNvPr id="4" name="Date Placeholder 3">
-            <a:extLst>
-              <a:ext uri="{FF2B5EF4-FFF2-40B4-BE49-F238E27FC236}">
-                <a16:creationId xmlns:a16="http://schemas.microsoft.com/office/drawing/2014/main" id="{DFC1D3CE-13BD-4D22-AA18-1FA68AB21578}"/>
-              </a:ext>
-            </a:extLst>
-          </p:cNvPr>
+          <p:cNvPr id="4" name="Date Placeholder 3"/>
           <p:cNvSpPr>
             <a:spLocks noGrp="1"/>
           </p:cNvSpPr>
@@ -256,7 +244,7 @@
           <a:p>
             <a:fld id="{945EB808-F1F1-4D73-925E-7249C7C78BF7}" type="datetimeFigureOut">
               <a:rPr lang="en-SG" smtClean="0"/>
-              <a:t>26/10/2021</a:t>
+              <a:t>30/10/2021</a:t>
             </a:fld>
             <a:endParaRPr lang="en-SG"/>
           </a:p>
@@ -264,13 +252,7 @@
       </p:sp>
       <p:sp>
         <p:nvSpPr>
-          <p:cNvPr id="5" name="Footer Placeholder 4">
-            <a:extLst>
-              <a:ext uri="{FF2B5EF4-FFF2-40B4-BE49-F238E27FC236}">
-                <a16:creationId xmlns:a16="http://schemas.microsoft.com/office/drawing/2014/main" id="{B715DDED-E124-4EB4-978B-246B843FA4B6}"/>
-              </a:ext>
-            </a:extLst>
-          </p:cNvPr>
+          <p:cNvPr id="5" name="Footer Placeholder 4"/>
           <p:cNvSpPr>
             <a:spLocks noGrp="1"/>
           </p:cNvSpPr>
@@ -289,13 +271,7 @@
       </p:sp>
       <p:sp>
         <p:nvSpPr>
-          <p:cNvPr id="6" name="Slide Number Placeholder 5">
-            <a:extLst>
-              <a:ext uri="{FF2B5EF4-FFF2-40B4-BE49-F238E27FC236}">
-                <a16:creationId xmlns:a16="http://schemas.microsoft.com/office/drawing/2014/main" id="{4B7DF489-4B8B-427A-B62F-AF4C62597283}"/>
-              </a:ext>
-            </a:extLst>
-          </p:cNvPr>
+          <p:cNvPr id="6" name="Slide Number Placeholder 5"/>
           <p:cNvSpPr>
             <a:spLocks noGrp="1"/>
           </p:cNvSpPr>
@@ -317,11 +293,6 @@
         </p:txBody>
       </p:sp>
     </p:spTree>
-    <p:extLst>
-      <p:ext uri="{BB962C8B-B14F-4D97-AF65-F5344CB8AC3E}">
-        <p14:creationId xmlns:p14="http://schemas.microsoft.com/office/powerpoint/2010/main" val="2303736916"/>
-      </p:ext>
-    </p:extLst>
   </p:cSld>
   <p:clrMapOvr>
     <a:masterClrMapping/>
@@ -348,13 +319,7 @@
       </p:grpSpPr>
       <p:sp>
         <p:nvSpPr>
-          <p:cNvPr id="2" name="Title 1">
-            <a:extLst>
-              <a:ext uri="{FF2B5EF4-FFF2-40B4-BE49-F238E27FC236}">
-                <a16:creationId xmlns:a16="http://schemas.microsoft.com/office/drawing/2014/main" id="{826A56A5-5284-4B08-AC78-D0DA8B16DD21}"/>
-              </a:ext>
-            </a:extLst>
-          </p:cNvPr>
+          <p:cNvPr id="2" name="Title 1"/>
           <p:cNvSpPr>
             <a:spLocks noGrp="1"/>
           </p:cNvSpPr>
@@ -377,13 +342,7 @@
       </p:sp>
       <p:sp>
         <p:nvSpPr>
-          <p:cNvPr id="3" name="Vertical Text Placeholder 2">
-            <a:extLst>
-              <a:ext uri="{FF2B5EF4-FFF2-40B4-BE49-F238E27FC236}">
-                <a16:creationId xmlns:a16="http://schemas.microsoft.com/office/drawing/2014/main" id="{D0653C7E-5BFC-41A1-8FAA-170E01720A8B}"/>
-              </a:ext>
-            </a:extLst>
-          </p:cNvPr>
+          <p:cNvPr id="3" name="Vertical Text Placeholder 2"/>
           <p:cNvSpPr>
             <a:spLocks noGrp="1"/>
           </p:cNvSpPr>
@@ -435,13 +394,7 @@
       </p:sp>
       <p:sp>
         <p:nvSpPr>
-          <p:cNvPr id="4" name="Date Placeholder 3">
-            <a:extLst>
-              <a:ext uri="{FF2B5EF4-FFF2-40B4-BE49-F238E27FC236}">
-                <a16:creationId xmlns:a16="http://schemas.microsoft.com/office/drawing/2014/main" id="{F4C4C655-D97C-4FD7-95C6-287689A57666}"/>
-              </a:ext>
-            </a:extLst>
-          </p:cNvPr>
+          <p:cNvPr id="4" name="Date Placeholder 3"/>
           <p:cNvSpPr>
             <a:spLocks noGrp="1"/>
           </p:cNvSpPr>
@@ -456,7 +409,7 @@
           <a:p>
             <a:fld id="{945EB808-F1F1-4D73-925E-7249C7C78BF7}" type="datetimeFigureOut">
               <a:rPr lang="en-SG" smtClean="0"/>
-              <a:t>26/10/2021</a:t>
+              <a:t>30/10/2021</a:t>
             </a:fld>
             <a:endParaRPr lang="en-SG"/>
           </a:p>
@@ -464,13 +417,7 @@
       </p:sp>
       <p:sp>
         <p:nvSpPr>
-          <p:cNvPr id="5" name="Footer Placeholder 4">
-            <a:extLst>
-              <a:ext uri="{FF2B5EF4-FFF2-40B4-BE49-F238E27FC236}">
-                <a16:creationId xmlns:a16="http://schemas.microsoft.com/office/drawing/2014/main" id="{7934807C-111D-45C3-B9D1-D9B783C681DF}"/>
-              </a:ext>
-            </a:extLst>
-          </p:cNvPr>
+          <p:cNvPr id="5" name="Footer Placeholder 4"/>
           <p:cNvSpPr>
             <a:spLocks noGrp="1"/>
           </p:cNvSpPr>
@@ -489,13 +436,7 @@
       </p:sp>
       <p:sp>
         <p:nvSpPr>
-          <p:cNvPr id="6" name="Slide Number Placeholder 5">
-            <a:extLst>
-              <a:ext uri="{FF2B5EF4-FFF2-40B4-BE49-F238E27FC236}">
-                <a16:creationId xmlns:a16="http://schemas.microsoft.com/office/drawing/2014/main" id="{77C9E7ED-30BD-4D97-9879-0F4279D2E1E6}"/>
-              </a:ext>
-            </a:extLst>
-          </p:cNvPr>
+          <p:cNvPr id="6" name="Slide Number Placeholder 5"/>
           <p:cNvSpPr>
             <a:spLocks noGrp="1"/>
           </p:cNvSpPr>
@@ -517,11 +458,6 @@
         </p:txBody>
       </p:sp>
     </p:spTree>
-    <p:extLst>
-      <p:ext uri="{BB962C8B-B14F-4D97-AF65-F5344CB8AC3E}">
-        <p14:creationId xmlns:p14="http://schemas.microsoft.com/office/powerpoint/2010/main" val="2843320735"/>
-      </p:ext>
-    </p:extLst>
   </p:cSld>
   <p:clrMapOvr>
     <a:masterClrMapping/>
@@ -548,13 +484,7 @@
       </p:grpSpPr>
       <p:sp>
         <p:nvSpPr>
-          <p:cNvPr id="2" name="Vertical Title 1">
-            <a:extLst>
-              <a:ext uri="{FF2B5EF4-FFF2-40B4-BE49-F238E27FC236}">
-                <a16:creationId xmlns:a16="http://schemas.microsoft.com/office/drawing/2014/main" id="{D4824091-3D97-4C38-A857-6FCC2490A0AD}"/>
-              </a:ext>
-            </a:extLst>
-          </p:cNvPr>
+          <p:cNvPr id="2" name="Vertical Title 1"/>
           <p:cNvSpPr>
             <a:spLocks noGrp="1"/>
           </p:cNvSpPr>
@@ -582,13 +512,7 @@
       </p:sp>
       <p:sp>
         <p:nvSpPr>
-          <p:cNvPr id="3" name="Vertical Text Placeholder 2">
-            <a:extLst>
-              <a:ext uri="{FF2B5EF4-FFF2-40B4-BE49-F238E27FC236}">
-                <a16:creationId xmlns:a16="http://schemas.microsoft.com/office/drawing/2014/main" id="{666191D9-5DD0-48D2-9B9A-DBD890E4E8FF}"/>
-              </a:ext>
-            </a:extLst>
-          </p:cNvPr>
+          <p:cNvPr id="3" name="Vertical Text Placeholder 2"/>
           <p:cNvSpPr>
             <a:spLocks noGrp="1"/>
           </p:cNvSpPr>
@@ -645,13 +569,7 @@
       </p:sp>
       <p:sp>
         <p:nvSpPr>
-          <p:cNvPr id="4" name="Date Placeholder 3">
-            <a:extLst>
-              <a:ext uri="{FF2B5EF4-FFF2-40B4-BE49-F238E27FC236}">
-                <a16:creationId xmlns:a16="http://schemas.microsoft.com/office/drawing/2014/main" id="{336EFF40-127E-4E7C-B918-039FEF68D13D}"/>
-              </a:ext>
-            </a:extLst>
-          </p:cNvPr>
+          <p:cNvPr id="4" name="Date Placeholder 3"/>
           <p:cNvSpPr>
             <a:spLocks noGrp="1"/>
           </p:cNvSpPr>
@@ -666,7 +584,7 @@
           <a:p>
             <a:fld id="{945EB808-F1F1-4D73-925E-7249C7C78BF7}" type="datetimeFigureOut">
               <a:rPr lang="en-SG" smtClean="0"/>
-              <a:t>26/10/2021</a:t>
+              <a:t>30/10/2021</a:t>
             </a:fld>
             <a:endParaRPr lang="en-SG"/>
           </a:p>
@@ -674,13 +592,7 @@
       </p:sp>
       <p:sp>
         <p:nvSpPr>
-          <p:cNvPr id="5" name="Footer Placeholder 4">
-            <a:extLst>
-              <a:ext uri="{FF2B5EF4-FFF2-40B4-BE49-F238E27FC236}">
-                <a16:creationId xmlns:a16="http://schemas.microsoft.com/office/drawing/2014/main" id="{2601FCE4-D908-4588-9447-917377B5869C}"/>
-              </a:ext>
-            </a:extLst>
-          </p:cNvPr>
+          <p:cNvPr id="5" name="Footer Placeholder 4"/>
           <p:cNvSpPr>
             <a:spLocks noGrp="1"/>
           </p:cNvSpPr>
@@ -699,13 +611,7 @@
       </p:sp>
       <p:sp>
         <p:nvSpPr>
-          <p:cNvPr id="6" name="Slide Number Placeholder 5">
-            <a:extLst>
-              <a:ext uri="{FF2B5EF4-FFF2-40B4-BE49-F238E27FC236}">
-                <a16:creationId xmlns:a16="http://schemas.microsoft.com/office/drawing/2014/main" id="{7F36DEB5-9608-4401-B297-188F686C186B}"/>
-              </a:ext>
-            </a:extLst>
-          </p:cNvPr>
+          <p:cNvPr id="6" name="Slide Number Placeholder 5"/>
           <p:cNvSpPr>
             <a:spLocks noGrp="1"/>
           </p:cNvSpPr>
@@ -727,11 +633,6 @@
         </p:txBody>
       </p:sp>
     </p:spTree>
-    <p:extLst>
-      <p:ext uri="{BB962C8B-B14F-4D97-AF65-F5344CB8AC3E}">
-        <p14:creationId xmlns:p14="http://schemas.microsoft.com/office/powerpoint/2010/main" val="2673046490"/>
-      </p:ext>
-    </p:extLst>
   </p:cSld>
   <p:clrMapOvr>
     <a:masterClrMapping/>
@@ -758,13 +659,7 @@
       </p:grpSpPr>
       <p:sp>
         <p:nvSpPr>
-          <p:cNvPr id="2" name="Title 1">
-            <a:extLst>
-              <a:ext uri="{FF2B5EF4-FFF2-40B4-BE49-F238E27FC236}">
-                <a16:creationId xmlns:a16="http://schemas.microsoft.com/office/drawing/2014/main" id="{612AD3D5-8C4A-47B5-93E8-9D04C4926033}"/>
-              </a:ext>
-            </a:extLst>
-          </p:cNvPr>
+          <p:cNvPr id="2" name="Title 1"/>
           <p:cNvSpPr>
             <a:spLocks noGrp="1"/>
           </p:cNvSpPr>
@@ -787,13 +682,7 @@
       </p:sp>
       <p:sp>
         <p:nvSpPr>
-          <p:cNvPr id="3" name="Content Placeholder 2">
-            <a:extLst>
-              <a:ext uri="{FF2B5EF4-FFF2-40B4-BE49-F238E27FC236}">
-                <a16:creationId xmlns:a16="http://schemas.microsoft.com/office/drawing/2014/main" id="{083044C9-362A-4D52-AE3C-2483DF604F7A}"/>
-              </a:ext>
-            </a:extLst>
-          </p:cNvPr>
+          <p:cNvPr id="3" name="Content Placeholder 2"/>
           <p:cNvSpPr>
             <a:spLocks noGrp="1"/>
           </p:cNvSpPr>
@@ -845,13 +734,7 @@
       </p:sp>
       <p:sp>
         <p:nvSpPr>
-          <p:cNvPr id="4" name="Date Placeholder 3">
-            <a:extLst>
-              <a:ext uri="{FF2B5EF4-FFF2-40B4-BE49-F238E27FC236}">
-                <a16:creationId xmlns:a16="http://schemas.microsoft.com/office/drawing/2014/main" id="{75757685-F46E-4456-86D1-A2B7BA70D64E}"/>
-              </a:ext>
-            </a:extLst>
-          </p:cNvPr>
+          <p:cNvPr id="4" name="Date Placeholder 3"/>
           <p:cNvSpPr>
             <a:spLocks noGrp="1"/>
           </p:cNvSpPr>
@@ -866,7 +749,7 @@
           <a:p>
             <a:fld id="{945EB808-F1F1-4D73-925E-7249C7C78BF7}" type="datetimeFigureOut">
               <a:rPr lang="en-SG" smtClean="0"/>
-              <a:t>26/10/2021</a:t>
+              <a:t>30/10/2021</a:t>
             </a:fld>
             <a:endParaRPr lang="en-SG"/>
           </a:p>
@@ -874,13 +757,7 @@
       </p:sp>
       <p:sp>
         <p:nvSpPr>
-          <p:cNvPr id="5" name="Footer Placeholder 4">
-            <a:extLst>
-              <a:ext uri="{FF2B5EF4-FFF2-40B4-BE49-F238E27FC236}">
-                <a16:creationId xmlns:a16="http://schemas.microsoft.com/office/drawing/2014/main" id="{C238E89E-C908-40F8-BF55-36831868A967}"/>
-              </a:ext>
-            </a:extLst>
-          </p:cNvPr>
+          <p:cNvPr id="5" name="Footer Placeholder 4"/>
           <p:cNvSpPr>
             <a:spLocks noGrp="1"/>
           </p:cNvSpPr>
@@ -899,13 +776,7 @@
       </p:sp>
       <p:sp>
         <p:nvSpPr>
-          <p:cNvPr id="6" name="Slide Number Placeholder 5">
-            <a:extLst>
-              <a:ext uri="{FF2B5EF4-FFF2-40B4-BE49-F238E27FC236}">
-                <a16:creationId xmlns:a16="http://schemas.microsoft.com/office/drawing/2014/main" id="{F74AD62D-26E3-4EF7-92B4-EC8D89D6EC9A}"/>
-              </a:ext>
-            </a:extLst>
-          </p:cNvPr>
+          <p:cNvPr id="6" name="Slide Number Placeholder 5"/>
           <p:cNvSpPr>
             <a:spLocks noGrp="1"/>
           </p:cNvSpPr>
@@ -927,11 +798,6 @@
         </p:txBody>
       </p:sp>
     </p:spTree>
-    <p:extLst>
-      <p:ext uri="{BB962C8B-B14F-4D97-AF65-F5344CB8AC3E}">
-        <p14:creationId xmlns:p14="http://schemas.microsoft.com/office/powerpoint/2010/main" val="2004703998"/>
-      </p:ext>
-    </p:extLst>
   </p:cSld>
   <p:clrMapOvr>
     <a:masterClrMapping/>
@@ -958,13 +824,7 @@
       </p:grpSpPr>
       <p:sp>
         <p:nvSpPr>
-          <p:cNvPr id="2" name="Title 1">
-            <a:extLst>
-              <a:ext uri="{FF2B5EF4-FFF2-40B4-BE49-F238E27FC236}">
-                <a16:creationId xmlns:a16="http://schemas.microsoft.com/office/drawing/2014/main" id="{98FB87E5-2EEC-4881-9278-B6A7630DFD85}"/>
-              </a:ext>
-            </a:extLst>
-          </p:cNvPr>
+          <p:cNvPr id="2" name="Title 1"/>
           <p:cNvSpPr>
             <a:spLocks noGrp="1"/>
           </p:cNvSpPr>
@@ -996,13 +856,7 @@
       </p:sp>
       <p:sp>
         <p:nvSpPr>
-          <p:cNvPr id="3" name="Text Placeholder 2">
-            <a:extLst>
-              <a:ext uri="{FF2B5EF4-FFF2-40B4-BE49-F238E27FC236}">
-                <a16:creationId xmlns:a16="http://schemas.microsoft.com/office/drawing/2014/main" id="{6E3A06D8-3FC5-40C6-B984-746521CA4264}"/>
-              </a:ext>
-            </a:extLst>
-          </p:cNvPr>
+          <p:cNvPr id="3" name="Text Placeholder 2"/>
           <p:cNvSpPr>
             <a:spLocks noGrp="1"/>
           </p:cNvSpPr>
@@ -1121,13 +975,7 @@
       </p:sp>
       <p:sp>
         <p:nvSpPr>
-          <p:cNvPr id="4" name="Date Placeholder 3">
-            <a:extLst>
-              <a:ext uri="{FF2B5EF4-FFF2-40B4-BE49-F238E27FC236}">
-                <a16:creationId xmlns:a16="http://schemas.microsoft.com/office/drawing/2014/main" id="{00C90321-2515-47F6-A7A1-95D9CE0BD789}"/>
-              </a:ext>
-            </a:extLst>
-          </p:cNvPr>
+          <p:cNvPr id="4" name="Date Placeholder 3"/>
           <p:cNvSpPr>
             <a:spLocks noGrp="1"/>
           </p:cNvSpPr>
@@ -1142,7 +990,7 @@
           <a:p>
             <a:fld id="{945EB808-F1F1-4D73-925E-7249C7C78BF7}" type="datetimeFigureOut">
               <a:rPr lang="en-SG" smtClean="0"/>
-              <a:t>26/10/2021</a:t>
+              <a:t>30/10/2021</a:t>
             </a:fld>
             <a:endParaRPr lang="en-SG"/>
           </a:p>
@@ -1150,13 +998,7 @@
       </p:sp>
       <p:sp>
         <p:nvSpPr>
-          <p:cNvPr id="5" name="Footer Placeholder 4">
-            <a:extLst>
-              <a:ext uri="{FF2B5EF4-FFF2-40B4-BE49-F238E27FC236}">
-                <a16:creationId xmlns:a16="http://schemas.microsoft.com/office/drawing/2014/main" id="{FCA432B9-5CEA-49F3-BA6C-CA34F13D763E}"/>
-              </a:ext>
-            </a:extLst>
-          </p:cNvPr>
+          <p:cNvPr id="5" name="Footer Placeholder 4"/>
           <p:cNvSpPr>
             <a:spLocks noGrp="1"/>
           </p:cNvSpPr>
@@ -1175,13 +1017,7 @@
       </p:sp>
       <p:sp>
         <p:nvSpPr>
-          <p:cNvPr id="6" name="Slide Number Placeholder 5">
-            <a:extLst>
-              <a:ext uri="{FF2B5EF4-FFF2-40B4-BE49-F238E27FC236}">
-                <a16:creationId xmlns:a16="http://schemas.microsoft.com/office/drawing/2014/main" id="{B2FCB7B2-DEB9-40C5-AEDF-A9E3C40131B9}"/>
-              </a:ext>
-            </a:extLst>
-          </p:cNvPr>
+          <p:cNvPr id="6" name="Slide Number Placeholder 5"/>
           <p:cNvSpPr>
             <a:spLocks noGrp="1"/>
           </p:cNvSpPr>
@@ -1203,11 +1039,6 @@
         </p:txBody>
       </p:sp>
     </p:spTree>
-    <p:extLst>
-      <p:ext uri="{BB962C8B-B14F-4D97-AF65-F5344CB8AC3E}">
-        <p14:creationId xmlns:p14="http://schemas.microsoft.com/office/powerpoint/2010/main" val="701561231"/>
-      </p:ext>
-    </p:extLst>
   </p:cSld>
   <p:clrMapOvr>
     <a:masterClrMapping/>
@@ -1234,13 +1065,7 @@
       </p:grpSpPr>
       <p:sp>
         <p:nvSpPr>
-          <p:cNvPr id="2" name="Title 1">
-            <a:extLst>
-              <a:ext uri="{FF2B5EF4-FFF2-40B4-BE49-F238E27FC236}">
-                <a16:creationId xmlns:a16="http://schemas.microsoft.com/office/drawing/2014/main" id="{880A487B-DA8B-457F-8A35-C4E97EDD5161}"/>
-              </a:ext>
-            </a:extLst>
-          </p:cNvPr>
+          <p:cNvPr id="2" name="Title 1"/>
           <p:cNvSpPr>
             <a:spLocks noGrp="1"/>
           </p:cNvSpPr>
@@ -1263,13 +1088,7 @@
       </p:sp>
       <p:sp>
         <p:nvSpPr>
-          <p:cNvPr id="3" name="Content Placeholder 2">
-            <a:extLst>
-              <a:ext uri="{FF2B5EF4-FFF2-40B4-BE49-F238E27FC236}">
-                <a16:creationId xmlns:a16="http://schemas.microsoft.com/office/drawing/2014/main" id="{F912F0C8-A8AA-4851-8B71-4F2A139E1DA1}"/>
-              </a:ext>
-            </a:extLst>
-          </p:cNvPr>
+          <p:cNvPr id="3" name="Content Placeholder 2"/>
           <p:cNvSpPr>
             <a:spLocks noGrp="1"/>
           </p:cNvSpPr>
@@ -1326,13 +1145,7 @@
       </p:sp>
       <p:sp>
         <p:nvSpPr>
-          <p:cNvPr id="4" name="Content Placeholder 3">
-            <a:extLst>
-              <a:ext uri="{FF2B5EF4-FFF2-40B4-BE49-F238E27FC236}">
-                <a16:creationId xmlns:a16="http://schemas.microsoft.com/office/drawing/2014/main" id="{63183172-5B5A-4243-AEF1-136F6BDC54DA}"/>
-              </a:ext>
-            </a:extLst>
-          </p:cNvPr>
+          <p:cNvPr id="4" name="Content Placeholder 3"/>
           <p:cNvSpPr>
             <a:spLocks noGrp="1"/>
           </p:cNvSpPr>
@@ -1389,13 +1202,7 @@
       </p:sp>
       <p:sp>
         <p:nvSpPr>
-          <p:cNvPr id="5" name="Date Placeholder 4">
-            <a:extLst>
-              <a:ext uri="{FF2B5EF4-FFF2-40B4-BE49-F238E27FC236}">
-                <a16:creationId xmlns:a16="http://schemas.microsoft.com/office/drawing/2014/main" id="{DE38DA12-C7B2-49B6-82D7-A38AA0D73398}"/>
-              </a:ext>
-            </a:extLst>
-          </p:cNvPr>
+          <p:cNvPr id="5" name="Date Placeholder 4"/>
           <p:cNvSpPr>
             <a:spLocks noGrp="1"/>
           </p:cNvSpPr>
@@ -1410,7 +1217,7 @@
           <a:p>
             <a:fld id="{945EB808-F1F1-4D73-925E-7249C7C78BF7}" type="datetimeFigureOut">
               <a:rPr lang="en-SG" smtClean="0"/>
-              <a:t>26/10/2021</a:t>
+              <a:t>30/10/2021</a:t>
             </a:fld>
             <a:endParaRPr lang="en-SG"/>
           </a:p>
@@ -1418,13 +1225,7 @@
       </p:sp>
       <p:sp>
         <p:nvSpPr>
-          <p:cNvPr id="6" name="Footer Placeholder 5">
-            <a:extLst>
-              <a:ext uri="{FF2B5EF4-FFF2-40B4-BE49-F238E27FC236}">
-                <a16:creationId xmlns:a16="http://schemas.microsoft.com/office/drawing/2014/main" id="{BAE616EC-7044-4C43-89EE-CE17F55A314F}"/>
-              </a:ext>
-            </a:extLst>
-          </p:cNvPr>
+          <p:cNvPr id="6" name="Footer Placeholder 5"/>
           <p:cNvSpPr>
             <a:spLocks noGrp="1"/>
           </p:cNvSpPr>
@@ -1443,13 +1244,7 @@
       </p:sp>
       <p:sp>
         <p:nvSpPr>
-          <p:cNvPr id="7" name="Slide Number Placeholder 6">
-            <a:extLst>
-              <a:ext uri="{FF2B5EF4-FFF2-40B4-BE49-F238E27FC236}">
-                <a16:creationId xmlns:a16="http://schemas.microsoft.com/office/drawing/2014/main" id="{026CA494-0D49-4C10-9D3C-94CA58672D75}"/>
-              </a:ext>
-            </a:extLst>
-          </p:cNvPr>
+          <p:cNvPr id="7" name="Slide Number Placeholder 6"/>
           <p:cNvSpPr>
             <a:spLocks noGrp="1"/>
           </p:cNvSpPr>
@@ -1471,11 +1266,6 @@
         </p:txBody>
       </p:sp>
     </p:spTree>
-    <p:extLst>
-      <p:ext uri="{BB962C8B-B14F-4D97-AF65-F5344CB8AC3E}">
-        <p14:creationId xmlns:p14="http://schemas.microsoft.com/office/powerpoint/2010/main" val="1683265001"/>
-      </p:ext>
-    </p:extLst>
   </p:cSld>
   <p:clrMapOvr>
     <a:masterClrMapping/>
@@ -1502,13 +1292,7 @@
       </p:grpSpPr>
       <p:sp>
         <p:nvSpPr>
-          <p:cNvPr id="2" name="Title 1">
-            <a:extLst>
-              <a:ext uri="{FF2B5EF4-FFF2-40B4-BE49-F238E27FC236}">
-                <a16:creationId xmlns:a16="http://schemas.microsoft.com/office/drawing/2014/main" id="{E1A88233-AD5A-4A60-AB4C-C2343E429042}"/>
-              </a:ext>
-            </a:extLst>
-          </p:cNvPr>
+          <p:cNvPr id="2" name="Title 1"/>
           <p:cNvSpPr>
             <a:spLocks noGrp="1"/>
           </p:cNvSpPr>
@@ -1536,13 +1320,7 @@
       </p:sp>
       <p:sp>
         <p:nvSpPr>
-          <p:cNvPr id="3" name="Text Placeholder 2">
-            <a:extLst>
-              <a:ext uri="{FF2B5EF4-FFF2-40B4-BE49-F238E27FC236}">
-                <a16:creationId xmlns:a16="http://schemas.microsoft.com/office/drawing/2014/main" id="{4013DA59-05C7-44B6-AB3F-BDA1E474BB22}"/>
-              </a:ext>
-            </a:extLst>
-          </p:cNvPr>
+          <p:cNvPr id="3" name="Text Placeholder 2"/>
           <p:cNvSpPr>
             <a:spLocks noGrp="1"/>
           </p:cNvSpPr>
@@ -1607,13 +1385,7 @@
       </p:sp>
       <p:sp>
         <p:nvSpPr>
-          <p:cNvPr id="4" name="Content Placeholder 3">
-            <a:extLst>
-              <a:ext uri="{FF2B5EF4-FFF2-40B4-BE49-F238E27FC236}">
-                <a16:creationId xmlns:a16="http://schemas.microsoft.com/office/drawing/2014/main" id="{E4CF2393-73C9-4EDA-B25A-27663BEBAAB2}"/>
-              </a:ext>
-            </a:extLst>
-          </p:cNvPr>
+          <p:cNvPr id="4" name="Content Placeholder 3"/>
           <p:cNvSpPr>
             <a:spLocks noGrp="1"/>
           </p:cNvSpPr>
@@ -1670,13 +1442,7 @@
       </p:sp>
       <p:sp>
         <p:nvSpPr>
-          <p:cNvPr id="5" name="Text Placeholder 4">
-            <a:extLst>
-              <a:ext uri="{FF2B5EF4-FFF2-40B4-BE49-F238E27FC236}">
-                <a16:creationId xmlns:a16="http://schemas.microsoft.com/office/drawing/2014/main" id="{77C56533-84D9-4DA8-BD98-726F0F369784}"/>
-              </a:ext>
-            </a:extLst>
-          </p:cNvPr>
+          <p:cNvPr id="5" name="Text Placeholder 4"/>
           <p:cNvSpPr>
             <a:spLocks noGrp="1"/>
           </p:cNvSpPr>
@@ -1741,13 +1507,7 @@
       </p:sp>
       <p:sp>
         <p:nvSpPr>
-          <p:cNvPr id="6" name="Content Placeholder 5">
-            <a:extLst>
-              <a:ext uri="{FF2B5EF4-FFF2-40B4-BE49-F238E27FC236}">
-                <a16:creationId xmlns:a16="http://schemas.microsoft.com/office/drawing/2014/main" id="{3E1CB9CD-271D-4C67-BCA9-8D212ECE0902}"/>
-              </a:ext>
-            </a:extLst>
-          </p:cNvPr>
+          <p:cNvPr id="6" name="Content Placeholder 5"/>
           <p:cNvSpPr>
             <a:spLocks noGrp="1"/>
           </p:cNvSpPr>
@@ -1804,13 +1564,7 @@
       </p:sp>
       <p:sp>
         <p:nvSpPr>
-          <p:cNvPr id="7" name="Date Placeholder 6">
-            <a:extLst>
-              <a:ext uri="{FF2B5EF4-FFF2-40B4-BE49-F238E27FC236}">
-                <a16:creationId xmlns:a16="http://schemas.microsoft.com/office/drawing/2014/main" id="{61554F0B-7D30-47F4-B5EA-C42553A3120D}"/>
-              </a:ext>
-            </a:extLst>
-          </p:cNvPr>
+          <p:cNvPr id="7" name="Date Placeholder 6"/>
           <p:cNvSpPr>
             <a:spLocks noGrp="1"/>
           </p:cNvSpPr>
@@ -1825,7 +1579,7 @@
           <a:p>
             <a:fld id="{945EB808-F1F1-4D73-925E-7249C7C78BF7}" type="datetimeFigureOut">
               <a:rPr lang="en-SG" smtClean="0"/>
-              <a:t>26/10/2021</a:t>
+              <a:t>30/10/2021</a:t>
             </a:fld>
             <a:endParaRPr lang="en-SG"/>
           </a:p>
@@ -1833,13 +1587,7 @@
       </p:sp>
       <p:sp>
         <p:nvSpPr>
-          <p:cNvPr id="8" name="Footer Placeholder 7">
-            <a:extLst>
-              <a:ext uri="{FF2B5EF4-FFF2-40B4-BE49-F238E27FC236}">
-                <a16:creationId xmlns:a16="http://schemas.microsoft.com/office/drawing/2014/main" id="{A9929691-8F6E-4D47-9071-15E841312561}"/>
-              </a:ext>
-            </a:extLst>
-          </p:cNvPr>
+          <p:cNvPr id="8" name="Footer Placeholder 7"/>
           <p:cNvSpPr>
             <a:spLocks noGrp="1"/>
           </p:cNvSpPr>
@@ -1858,13 +1606,7 @@
       </p:sp>
       <p:sp>
         <p:nvSpPr>
-          <p:cNvPr id="9" name="Slide Number Placeholder 8">
-            <a:extLst>
-              <a:ext uri="{FF2B5EF4-FFF2-40B4-BE49-F238E27FC236}">
-                <a16:creationId xmlns:a16="http://schemas.microsoft.com/office/drawing/2014/main" id="{6149D4DF-ADFA-4123-8E99-CE26E11F29B4}"/>
-              </a:ext>
-            </a:extLst>
-          </p:cNvPr>
+          <p:cNvPr id="9" name="Slide Number Placeholder 8"/>
           <p:cNvSpPr>
             <a:spLocks noGrp="1"/>
           </p:cNvSpPr>
@@ -1886,11 +1628,6 @@
         </p:txBody>
       </p:sp>
     </p:spTree>
-    <p:extLst>
-      <p:ext uri="{BB962C8B-B14F-4D97-AF65-F5344CB8AC3E}">
-        <p14:creationId xmlns:p14="http://schemas.microsoft.com/office/powerpoint/2010/main" val="1330568166"/>
-      </p:ext>
-    </p:extLst>
   </p:cSld>
   <p:clrMapOvr>
     <a:masterClrMapping/>
@@ -1917,13 +1654,7 @@
       </p:grpSpPr>
       <p:sp>
         <p:nvSpPr>
-          <p:cNvPr id="2" name="Title 1">
-            <a:extLst>
-              <a:ext uri="{FF2B5EF4-FFF2-40B4-BE49-F238E27FC236}">
-                <a16:creationId xmlns:a16="http://schemas.microsoft.com/office/drawing/2014/main" id="{FC6193F5-BA27-42B6-BC77-68FEEB4D2572}"/>
-              </a:ext>
-            </a:extLst>
-          </p:cNvPr>
+          <p:cNvPr id="2" name="Title 1"/>
           <p:cNvSpPr>
             <a:spLocks noGrp="1"/>
           </p:cNvSpPr>
@@ -1946,13 +1677,7 @@
       </p:sp>
       <p:sp>
         <p:nvSpPr>
-          <p:cNvPr id="3" name="Date Placeholder 2">
-            <a:extLst>
-              <a:ext uri="{FF2B5EF4-FFF2-40B4-BE49-F238E27FC236}">
-                <a16:creationId xmlns:a16="http://schemas.microsoft.com/office/drawing/2014/main" id="{7C4A3D97-1F7B-45E0-93E2-D0DA56126EC9}"/>
-              </a:ext>
-            </a:extLst>
-          </p:cNvPr>
+          <p:cNvPr id="3" name="Date Placeholder 2"/>
           <p:cNvSpPr>
             <a:spLocks noGrp="1"/>
           </p:cNvSpPr>
@@ -1967,7 +1692,7 @@
           <a:p>
             <a:fld id="{945EB808-F1F1-4D73-925E-7249C7C78BF7}" type="datetimeFigureOut">
               <a:rPr lang="en-SG" smtClean="0"/>
-              <a:t>26/10/2021</a:t>
+              <a:t>30/10/2021</a:t>
             </a:fld>
             <a:endParaRPr lang="en-SG"/>
           </a:p>
@@ -1975,13 +1700,7 @@
       </p:sp>
       <p:sp>
         <p:nvSpPr>
-          <p:cNvPr id="4" name="Footer Placeholder 3">
-            <a:extLst>
-              <a:ext uri="{FF2B5EF4-FFF2-40B4-BE49-F238E27FC236}">
-                <a16:creationId xmlns:a16="http://schemas.microsoft.com/office/drawing/2014/main" id="{1D990984-FB52-4B98-BB56-F025447188FA}"/>
-              </a:ext>
-            </a:extLst>
-          </p:cNvPr>
+          <p:cNvPr id="4" name="Footer Placeholder 3"/>
           <p:cNvSpPr>
             <a:spLocks noGrp="1"/>
           </p:cNvSpPr>
@@ -2000,13 +1719,7 @@
       </p:sp>
       <p:sp>
         <p:nvSpPr>
-          <p:cNvPr id="5" name="Slide Number Placeholder 4">
-            <a:extLst>
-              <a:ext uri="{FF2B5EF4-FFF2-40B4-BE49-F238E27FC236}">
-                <a16:creationId xmlns:a16="http://schemas.microsoft.com/office/drawing/2014/main" id="{37A33A46-17DA-4FC9-AC03-25CB8DBE6489}"/>
-              </a:ext>
-            </a:extLst>
-          </p:cNvPr>
+          <p:cNvPr id="5" name="Slide Number Placeholder 4"/>
           <p:cNvSpPr>
             <a:spLocks noGrp="1"/>
           </p:cNvSpPr>
@@ -2028,11 +1741,6 @@
         </p:txBody>
       </p:sp>
     </p:spTree>
-    <p:extLst>
-      <p:ext uri="{BB962C8B-B14F-4D97-AF65-F5344CB8AC3E}">
-        <p14:creationId xmlns:p14="http://schemas.microsoft.com/office/powerpoint/2010/main" val="2970410854"/>
-      </p:ext>
-    </p:extLst>
   </p:cSld>
   <p:clrMapOvr>
     <a:masterClrMapping/>
@@ -2059,13 +1767,7 @@
       </p:grpSpPr>
       <p:sp>
         <p:nvSpPr>
-          <p:cNvPr id="2" name="Date Placeholder 1">
-            <a:extLst>
-              <a:ext uri="{FF2B5EF4-FFF2-40B4-BE49-F238E27FC236}">
-                <a16:creationId xmlns:a16="http://schemas.microsoft.com/office/drawing/2014/main" id="{B347BC65-DF78-4D00-A646-3DD00E4DF220}"/>
-              </a:ext>
-            </a:extLst>
-          </p:cNvPr>
+          <p:cNvPr id="2" name="Date Placeholder 1"/>
           <p:cNvSpPr>
             <a:spLocks noGrp="1"/>
           </p:cNvSpPr>
@@ -2080,7 +1782,7 @@
           <a:p>
             <a:fld id="{945EB808-F1F1-4D73-925E-7249C7C78BF7}" type="datetimeFigureOut">
               <a:rPr lang="en-SG" smtClean="0"/>
-              <a:t>26/10/2021</a:t>
+              <a:t>30/10/2021</a:t>
             </a:fld>
             <a:endParaRPr lang="en-SG"/>
           </a:p>
@@ -2088,13 +1790,7 @@
       </p:sp>
       <p:sp>
         <p:nvSpPr>
-          <p:cNvPr id="3" name="Footer Placeholder 2">
-            <a:extLst>
-              <a:ext uri="{FF2B5EF4-FFF2-40B4-BE49-F238E27FC236}">
-                <a16:creationId xmlns:a16="http://schemas.microsoft.com/office/drawing/2014/main" id="{0C59D4D4-8242-4AAB-9627-35D1A27D59BE}"/>
-              </a:ext>
-            </a:extLst>
-          </p:cNvPr>
+          <p:cNvPr id="3" name="Footer Placeholder 2"/>
           <p:cNvSpPr>
             <a:spLocks noGrp="1"/>
           </p:cNvSpPr>
@@ -2113,13 +1809,7 @@
       </p:sp>
       <p:sp>
         <p:nvSpPr>
-          <p:cNvPr id="4" name="Slide Number Placeholder 3">
-            <a:extLst>
-              <a:ext uri="{FF2B5EF4-FFF2-40B4-BE49-F238E27FC236}">
-                <a16:creationId xmlns:a16="http://schemas.microsoft.com/office/drawing/2014/main" id="{A898E3E3-0D7A-491F-8C31-8ED79A3846C4}"/>
-              </a:ext>
-            </a:extLst>
-          </p:cNvPr>
+          <p:cNvPr id="4" name="Slide Number Placeholder 3"/>
           <p:cNvSpPr>
             <a:spLocks noGrp="1"/>
           </p:cNvSpPr>
@@ -2141,11 +1831,6 @@
         </p:txBody>
       </p:sp>
     </p:spTree>
-    <p:extLst>
-      <p:ext uri="{BB962C8B-B14F-4D97-AF65-F5344CB8AC3E}">
-        <p14:creationId xmlns:p14="http://schemas.microsoft.com/office/powerpoint/2010/main" val="1422032955"/>
-      </p:ext>
-    </p:extLst>
   </p:cSld>
   <p:clrMapOvr>
     <a:masterClrMapping/>
@@ -2172,13 +1857,7 @@
       </p:grpSpPr>
       <p:sp>
         <p:nvSpPr>
-          <p:cNvPr id="2" name="Title 1">
-            <a:extLst>
-              <a:ext uri="{FF2B5EF4-FFF2-40B4-BE49-F238E27FC236}">
-                <a16:creationId xmlns:a16="http://schemas.microsoft.com/office/drawing/2014/main" id="{9BF3E38C-8727-4A37-9144-52D33686F5AF}"/>
-              </a:ext>
-            </a:extLst>
-          </p:cNvPr>
+          <p:cNvPr id="2" name="Title 1"/>
           <p:cNvSpPr>
             <a:spLocks noGrp="1"/>
           </p:cNvSpPr>
@@ -2210,13 +1889,7 @@
       </p:sp>
       <p:sp>
         <p:nvSpPr>
-          <p:cNvPr id="3" name="Content Placeholder 2">
-            <a:extLst>
-              <a:ext uri="{FF2B5EF4-FFF2-40B4-BE49-F238E27FC236}">
-                <a16:creationId xmlns:a16="http://schemas.microsoft.com/office/drawing/2014/main" id="{C7101EEE-4457-483F-9EAF-7B7E67783D70}"/>
-              </a:ext>
-            </a:extLst>
-          </p:cNvPr>
+          <p:cNvPr id="3" name="Content Placeholder 2"/>
           <p:cNvSpPr>
             <a:spLocks noGrp="1"/>
           </p:cNvSpPr>
@@ -2301,13 +1974,7 @@
       </p:sp>
       <p:sp>
         <p:nvSpPr>
-          <p:cNvPr id="4" name="Text Placeholder 3">
-            <a:extLst>
-              <a:ext uri="{FF2B5EF4-FFF2-40B4-BE49-F238E27FC236}">
-                <a16:creationId xmlns:a16="http://schemas.microsoft.com/office/drawing/2014/main" id="{DF1096AE-3045-4B79-AFEF-F7BD4687ED2D}"/>
-              </a:ext>
-            </a:extLst>
-          </p:cNvPr>
+          <p:cNvPr id="4" name="Text Placeholder 3"/>
           <p:cNvSpPr>
             <a:spLocks noGrp="1"/>
           </p:cNvSpPr>
@@ -2372,13 +2039,7 @@
       </p:sp>
       <p:sp>
         <p:nvSpPr>
-          <p:cNvPr id="5" name="Date Placeholder 4">
-            <a:extLst>
-              <a:ext uri="{FF2B5EF4-FFF2-40B4-BE49-F238E27FC236}">
-                <a16:creationId xmlns:a16="http://schemas.microsoft.com/office/drawing/2014/main" id="{42909369-02AE-4F72-B5FE-171B4D0D1C24}"/>
-              </a:ext>
-            </a:extLst>
-          </p:cNvPr>
+          <p:cNvPr id="5" name="Date Placeholder 4"/>
           <p:cNvSpPr>
             <a:spLocks noGrp="1"/>
           </p:cNvSpPr>
@@ -2393,7 +2054,7 @@
           <a:p>
             <a:fld id="{945EB808-F1F1-4D73-925E-7249C7C78BF7}" type="datetimeFigureOut">
               <a:rPr lang="en-SG" smtClean="0"/>
-              <a:t>26/10/2021</a:t>
+              <a:t>30/10/2021</a:t>
             </a:fld>
             <a:endParaRPr lang="en-SG"/>
           </a:p>
@@ -2401,13 +2062,7 @@
       </p:sp>
       <p:sp>
         <p:nvSpPr>
-          <p:cNvPr id="6" name="Footer Placeholder 5">
-            <a:extLst>
-              <a:ext uri="{FF2B5EF4-FFF2-40B4-BE49-F238E27FC236}">
-                <a16:creationId xmlns:a16="http://schemas.microsoft.com/office/drawing/2014/main" id="{49E9F7BA-4B50-4917-8B08-989E7CB6FA3B}"/>
-              </a:ext>
-            </a:extLst>
-          </p:cNvPr>
+          <p:cNvPr id="6" name="Footer Placeholder 5"/>
           <p:cNvSpPr>
             <a:spLocks noGrp="1"/>
           </p:cNvSpPr>
@@ -2426,13 +2081,7 @@
       </p:sp>
       <p:sp>
         <p:nvSpPr>
-          <p:cNvPr id="7" name="Slide Number Placeholder 6">
-            <a:extLst>
-              <a:ext uri="{FF2B5EF4-FFF2-40B4-BE49-F238E27FC236}">
-                <a16:creationId xmlns:a16="http://schemas.microsoft.com/office/drawing/2014/main" id="{D7C00A73-01F1-4936-98F4-DBF78ADF3BAD}"/>
-              </a:ext>
-            </a:extLst>
-          </p:cNvPr>
+          <p:cNvPr id="7" name="Slide Number Placeholder 6"/>
           <p:cNvSpPr>
             <a:spLocks noGrp="1"/>
           </p:cNvSpPr>
@@ -2454,11 +2103,6 @@
         </p:txBody>
       </p:sp>
     </p:spTree>
-    <p:extLst>
-      <p:ext uri="{BB962C8B-B14F-4D97-AF65-F5344CB8AC3E}">
-        <p14:creationId xmlns:p14="http://schemas.microsoft.com/office/powerpoint/2010/main" val="3769036407"/>
-      </p:ext>
-    </p:extLst>
   </p:cSld>
   <p:clrMapOvr>
     <a:masterClrMapping/>
@@ -2485,13 +2129,7 @@
       </p:grpSpPr>
       <p:sp>
         <p:nvSpPr>
-          <p:cNvPr id="2" name="Title 1">
-            <a:extLst>
-              <a:ext uri="{FF2B5EF4-FFF2-40B4-BE49-F238E27FC236}">
-                <a16:creationId xmlns:a16="http://schemas.microsoft.com/office/drawing/2014/main" id="{654541BD-9DC2-453A-90BD-6D9F700739F5}"/>
-              </a:ext>
-            </a:extLst>
-          </p:cNvPr>
+          <p:cNvPr id="2" name="Title 1"/>
           <p:cNvSpPr>
             <a:spLocks noGrp="1"/>
           </p:cNvSpPr>
@@ -2523,13 +2161,7 @@
       </p:sp>
       <p:sp>
         <p:nvSpPr>
-          <p:cNvPr id="3" name="Picture Placeholder 2">
-            <a:extLst>
-              <a:ext uri="{FF2B5EF4-FFF2-40B4-BE49-F238E27FC236}">
-                <a16:creationId xmlns:a16="http://schemas.microsoft.com/office/drawing/2014/main" id="{36E4BE08-A482-46C8-AD69-9570FDE419FC}"/>
-              </a:ext>
-            </a:extLst>
-          </p:cNvPr>
+          <p:cNvPr id="3" name="Picture Placeholder 2"/>
           <p:cNvSpPr>
             <a:spLocks noGrp="1"/>
           </p:cNvSpPr>
@@ -2590,13 +2222,7 @@
       </p:sp>
       <p:sp>
         <p:nvSpPr>
-          <p:cNvPr id="4" name="Text Placeholder 3">
-            <a:extLst>
-              <a:ext uri="{FF2B5EF4-FFF2-40B4-BE49-F238E27FC236}">
-                <a16:creationId xmlns:a16="http://schemas.microsoft.com/office/drawing/2014/main" id="{E2812CA7-AE4B-4012-B957-8D786D3A2668}"/>
-              </a:ext>
-            </a:extLst>
-          </p:cNvPr>
+          <p:cNvPr id="4" name="Text Placeholder 3"/>
           <p:cNvSpPr>
             <a:spLocks noGrp="1"/>
           </p:cNvSpPr>
@@ -2661,13 +2287,7 @@
       </p:sp>
       <p:sp>
         <p:nvSpPr>
-          <p:cNvPr id="5" name="Date Placeholder 4">
-            <a:extLst>
-              <a:ext uri="{FF2B5EF4-FFF2-40B4-BE49-F238E27FC236}">
-                <a16:creationId xmlns:a16="http://schemas.microsoft.com/office/drawing/2014/main" id="{44CA1451-C66A-4948-9C92-BDF660AFC434}"/>
-              </a:ext>
-            </a:extLst>
-          </p:cNvPr>
+          <p:cNvPr id="5" name="Date Placeholder 4"/>
           <p:cNvSpPr>
             <a:spLocks noGrp="1"/>
           </p:cNvSpPr>
@@ -2682,7 +2302,7 @@
           <a:p>
             <a:fld id="{945EB808-F1F1-4D73-925E-7249C7C78BF7}" type="datetimeFigureOut">
               <a:rPr lang="en-SG" smtClean="0"/>
-              <a:t>26/10/2021</a:t>
+              <a:t>30/10/2021</a:t>
             </a:fld>
             <a:endParaRPr lang="en-SG"/>
           </a:p>
@@ -2690,13 +2310,7 @@
       </p:sp>
       <p:sp>
         <p:nvSpPr>
-          <p:cNvPr id="6" name="Footer Placeholder 5">
-            <a:extLst>
-              <a:ext uri="{FF2B5EF4-FFF2-40B4-BE49-F238E27FC236}">
-                <a16:creationId xmlns:a16="http://schemas.microsoft.com/office/drawing/2014/main" id="{A8C21BB9-11C1-414D-AB3B-FB65DAE3AEF6}"/>
-              </a:ext>
-            </a:extLst>
-          </p:cNvPr>
+          <p:cNvPr id="6" name="Footer Placeholder 5"/>
           <p:cNvSpPr>
             <a:spLocks noGrp="1"/>
           </p:cNvSpPr>
@@ -2715,13 +2329,7 @@
       </p:sp>
       <p:sp>
         <p:nvSpPr>
-          <p:cNvPr id="7" name="Slide Number Placeholder 6">
-            <a:extLst>
-              <a:ext uri="{FF2B5EF4-FFF2-40B4-BE49-F238E27FC236}">
-                <a16:creationId xmlns:a16="http://schemas.microsoft.com/office/drawing/2014/main" id="{69C9D055-5862-4D39-BC63-79C296EF0284}"/>
-              </a:ext>
-            </a:extLst>
-          </p:cNvPr>
+          <p:cNvPr id="7" name="Slide Number Placeholder 6"/>
           <p:cNvSpPr>
             <a:spLocks noGrp="1"/>
           </p:cNvSpPr>
@@ -2743,11 +2351,6 @@
         </p:txBody>
       </p:sp>
     </p:spTree>
-    <p:extLst>
-      <p:ext uri="{BB962C8B-B14F-4D97-AF65-F5344CB8AC3E}">
-        <p14:creationId xmlns:p14="http://schemas.microsoft.com/office/powerpoint/2010/main" val="3383363682"/>
-      </p:ext>
-    </p:extLst>
   </p:cSld>
   <p:clrMapOvr>
     <a:masterClrMapping/>
@@ -2779,13 +2382,7 @@
       </p:grpSpPr>
       <p:sp>
         <p:nvSpPr>
-          <p:cNvPr id="2" name="Title Placeholder 1">
-            <a:extLst>
-              <a:ext uri="{FF2B5EF4-FFF2-40B4-BE49-F238E27FC236}">
-                <a16:creationId xmlns:a16="http://schemas.microsoft.com/office/drawing/2014/main" id="{22793984-7E42-42DF-8CDD-72262D8210F9}"/>
-              </a:ext>
-            </a:extLst>
-          </p:cNvPr>
+          <p:cNvPr id="2" name="Title Placeholder 1"/>
           <p:cNvSpPr>
             <a:spLocks noGrp="1"/>
           </p:cNvSpPr>
@@ -2818,13 +2415,7 @@
       </p:sp>
       <p:sp>
         <p:nvSpPr>
-          <p:cNvPr id="3" name="Text Placeholder 2">
-            <a:extLst>
-              <a:ext uri="{FF2B5EF4-FFF2-40B4-BE49-F238E27FC236}">
-                <a16:creationId xmlns:a16="http://schemas.microsoft.com/office/drawing/2014/main" id="{702F63AB-4873-4FAA-8CC6-75FA3B4888B2}"/>
-              </a:ext>
-            </a:extLst>
-          </p:cNvPr>
+          <p:cNvPr id="3" name="Text Placeholder 2"/>
           <p:cNvSpPr>
             <a:spLocks noGrp="1"/>
           </p:cNvSpPr>
@@ -2886,13 +2477,7 @@
       </p:sp>
       <p:sp>
         <p:nvSpPr>
-          <p:cNvPr id="4" name="Date Placeholder 3">
-            <a:extLst>
-              <a:ext uri="{FF2B5EF4-FFF2-40B4-BE49-F238E27FC236}">
-                <a16:creationId xmlns:a16="http://schemas.microsoft.com/office/drawing/2014/main" id="{078E62E5-1CE0-4B35-9CFD-0BAA8182FD6A}"/>
-              </a:ext>
-            </a:extLst>
-          </p:cNvPr>
+          <p:cNvPr id="4" name="Date Placeholder 3"/>
           <p:cNvSpPr>
             <a:spLocks noGrp="1"/>
           </p:cNvSpPr>
@@ -2925,7 +2510,7 @@
           <a:p>
             <a:fld id="{945EB808-F1F1-4D73-925E-7249C7C78BF7}" type="datetimeFigureOut">
               <a:rPr lang="en-SG" smtClean="0"/>
-              <a:t>26/10/2021</a:t>
+              <a:t>30/10/2021</a:t>
             </a:fld>
             <a:endParaRPr lang="en-SG"/>
           </a:p>
@@ -2933,13 +2518,7 @@
       </p:sp>
       <p:sp>
         <p:nvSpPr>
-          <p:cNvPr id="5" name="Footer Placeholder 4">
-            <a:extLst>
-              <a:ext uri="{FF2B5EF4-FFF2-40B4-BE49-F238E27FC236}">
-                <a16:creationId xmlns:a16="http://schemas.microsoft.com/office/drawing/2014/main" id="{03C6F062-C262-4C1F-A631-1A42179DC2A8}"/>
-              </a:ext>
-            </a:extLst>
-          </p:cNvPr>
+          <p:cNvPr id="5" name="Footer Placeholder 4"/>
           <p:cNvSpPr>
             <a:spLocks noGrp="1"/>
           </p:cNvSpPr>
@@ -2976,13 +2555,7 @@
       </p:sp>
       <p:sp>
         <p:nvSpPr>
-          <p:cNvPr id="6" name="Slide Number Placeholder 5">
-            <a:extLst>
-              <a:ext uri="{FF2B5EF4-FFF2-40B4-BE49-F238E27FC236}">
-                <a16:creationId xmlns:a16="http://schemas.microsoft.com/office/drawing/2014/main" id="{FE8AD28D-FB49-405B-980B-16AD7EC52D20}"/>
-              </a:ext>
-            </a:extLst>
-          </p:cNvPr>
+          <p:cNvPr id="6" name="Slide Number Placeholder 5"/>
           <p:cNvSpPr>
             <a:spLocks noGrp="1"/>
           </p:cNvSpPr>
@@ -3022,11 +2595,6 @@
         </p:txBody>
       </p:sp>
     </p:spTree>
-    <p:extLst>
-      <p:ext uri="{BB962C8B-B14F-4D97-AF65-F5344CB8AC3E}">
-        <p14:creationId xmlns:p14="http://schemas.microsoft.com/office/powerpoint/2010/main" val="2447561695"/>
-      </p:ext>
-    </p:extLst>
   </p:cSld>
   <p:clrMap bg1="lt1" tx1="dk1" bg2="lt2" tx2="dk2" accent1="accent1" accent2="accent2" accent3="accent3" accent4="accent4" accent5="accent5" accent6="accent6" hlink="hlink" folHlink="folHlink"/>
   <p:sldLayoutIdLst>
@@ -3070,7 +2638,7 @@
         <a:spcBef>
           <a:spcPts val="1000"/>
         </a:spcBef>
-        <a:buFont typeface="Arial" panose="020B0604020202020204" pitchFamily="34" charset="0"/>
+        <a:buFont typeface="Arial" panose="020B0604020202090204" pitchFamily="34" charset="0"/>
         <a:buChar char="•"/>
         <a:defRPr sz="2800" kern="1200">
           <a:solidFill>
@@ -3088,7 +2656,7 @@
         <a:spcBef>
           <a:spcPts val="500"/>
         </a:spcBef>
-        <a:buFont typeface="Arial" panose="020B0604020202020204" pitchFamily="34" charset="0"/>
+        <a:buFont typeface="Arial" panose="020B0604020202090204" pitchFamily="34" charset="0"/>
         <a:buChar char="•"/>
         <a:defRPr sz="2400" kern="1200">
           <a:solidFill>
@@ -3106,7 +2674,7 @@
         <a:spcBef>
           <a:spcPts val="500"/>
         </a:spcBef>
-        <a:buFont typeface="Arial" panose="020B0604020202020204" pitchFamily="34" charset="0"/>
+        <a:buFont typeface="Arial" panose="020B0604020202090204" pitchFamily="34" charset="0"/>
         <a:buChar char="•"/>
         <a:defRPr sz="2000" kern="1200">
           <a:solidFill>
@@ -3124,7 +2692,7 @@
         <a:spcBef>
           <a:spcPts val="500"/>
         </a:spcBef>
-        <a:buFont typeface="Arial" panose="020B0604020202020204" pitchFamily="34" charset="0"/>
+        <a:buFont typeface="Arial" panose="020B0604020202090204" pitchFamily="34" charset="0"/>
         <a:buChar char="•"/>
         <a:defRPr sz="1800" kern="1200">
           <a:solidFill>
@@ -3142,7 +2710,7 @@
         <a:spcBef>
           <a:spcPts val="500"/>
         </a:spcBef>
-        <a:buFont typeface="Arial" panose="020B0604020202020204" pitchFamily="34" charset="0"/>
+        <a:buFont typeface="Arial" panose="020B0604020202090204" pitchFamily="34" charset="0"/>
         <a:buChar char="•"/>
         <a:defRPr sz="1800" kern="1200">
           <a:solidFill>
@@ -3160,7 +2728,7 @@
         <a:spcBef>
           <a:spcPts val="500"/>
         </a:spcBef>
-        <a:buFont typeface="Arial" panose="020B0604020202020204" pitchFamily="34" charset="0"/>
+        <a:buFont typeface="Arial" panose="020B0604020202090204" pitchFamily="34" charset="0"/>
         <a:buChar char="•"/>
         <a:defRPr sz="1800" kern="1200">
           <a:solidFill>
@@ -3178,7 +2746,7 @@
         <a:spcBef>
           <a:spcPts val="500"/>
         </a:spcBef>
-        <a:buFont typeface="Arial" panose="020B0604020202020204" pitchFamily="34" charset="0"/>
+        <a:buFont typeface="Arial" panose="020B0604020202090204" pitchFamily="34" charset="0"/>
         <a:buChar char="•"/>
         <a:defRPr sz="1800" kern="1200">
           <a:solidFill>
@@ -3196,7 +2764,7 @@
         <a:spcBef>
           <a:spcPts val="500"/>
         </a:spcBef>
-        <a:buFont typeface="Arial" panose="020B0604020202020204" pitchFamily="34" charset="0"/>
+        <a:buFont typeface="Arial" panose="020B0604020202090204" pitchFamily="34" charset="0"/>
         <a:buChar char="•"/>
         <a:defRPr sz="1800" kern="1200">
           <a:solidFill>
@@ -3214,7 +2782,7 @@
         <a:spcBef>
           <a:spcPts val="500"/>
         </a:spcBef>
-        <a:buFont typeface="Arial" panose="020B0604020202020204" pitchFamily="34" charset="0"/>
+        <a:buFont typeface="Arial" panose="020B0604020202090204" pitchFamily="34" charset="0"/>
         <a:buChar char="•"/>
         <a:defRPr sz="1800" kern="1200">
           <a:solidFill>
@@ -3344,13 +2912,7 @@
       </p:grpSpPr>
       <p:grpSp>
         <p:nvGrpSpPr>
-          <p:cNvPr id="37" name="Group 36">
-            <a:extLst>
-              <a:ext uri="{FF2B5EF4-FFF2-40B4-BE49-F238E27FC236}">
-                <a16:creationId xmlns:a16="http://schemas.microsoft.com/office/drawing/2014/main" id="{9323E93D-C11B-422D-B19B-07FD02B8C384}"/>
-              </a:ext>
-            </a:extLst>
-          </p:cNvPr>
+          <p:cNvPr id="37" name="Group 36"/>
           <p:cNvGrpSpPr/>
           <p:nvPr/>
         </p:nvGrpSpPr>
@@ -3364,20 +2926,14 @@
         </p:grpSpPr>
         <p:pic>
           <p:nvPicPr>
-            <p:cNvPr id="17" name="Picture 16" descr="A plant in a pot&#10;&#10;Description automatically generated with low confidence">
-              <a:extLst>
-                <a:ext uri="{FF2B5EF4-FFF2-40B4-BE49-F238E27FC236}">
-                  <a16:creationId xmlns:a16="http://schemas.microsoft.com/office/drawing/2014/main" id="{A3383590-890F-4924-B89E-0854456D2DBF}"/>
-                </a:ext>
-              </a:extLst>
-            </p:cNvPr>
+            <p:cNvPr id="17" name="Picture 16" descr="A plant in a pot&#10;&#10;Description automatically generated with low confidence"/>
             <p:cNvPicPr>
               <a:picLocks noChangeAspect="1"/>
             </p:cNvPicPr>
             <p:nvPr/>
           </p:nvPicPr>
           <p:blipFill>
-            <a:blip r:embed="rId2">
+            <a:blip r:embed="rId2" cstate="print">
               <a:extLst>
                 <a:ext uri="{28A0092B-C50C-407E-A947-70E740481C1C}">
                   <a14:useLocalDpi xmlns:a14="http://schemas.microsoft.com/office/drawing/2010/main" val="0"/>
@@ -3400,20 +2956,14 @@
         </p:pic>
         <p:pic>
           <p:nvPicPr>
-            <p:cNvPr id="19" name="Picture 18" descr="A green leaf on the ground&#10;&#10;Description automatically generated with low confidence">
-              <a:extLst>
-                <a:ext uri="{FF2B5EF4-FFF2-40B4-BE49-F238E27FC236}">
-                  <a16:creationId xmlns:a16="http://schemas.microsoft.com/office/drawing/2014/main" id="{A340DF15-1A9F-42FB-94EF-5891607A10C4}"/>
-                </a:ext>
-              </a:extLst>
-            </p:cNvPr>
+            <p:cNvPr id="19" name="Picture 18" descr="A green leaf on the ground&#10;&#10;Description automatically generated with low confidence"/>
             <p:cNvPicPr>
               <a:picLocks noChangeAspect="1"/>
             </p:cNvPicPr>
             <p:nvPr/>
           </p:nvPicPr>
           <p:blipFill>
-            <a:blip r:embed="rId3">
+            <a:blip r:embed="rId3" cstate="print">
               <a:extLst>
                 <a:ext uri="{28A0092B-C50C-407E-A947-70E740481C1C}">
                   <a14:useLocalDpi xmlns:a14="http://schemas.microsoft.com/office/drawing/2010/main" val="0"/>
@@ -3436,20 +2986,14 @@
         </p:pic>
         <p:pic>
           <p:nvPicPr>
-            <p:cNvPr id="23" name="Picture 22" descr="A picture containing silhouette&#10;&#10;Description automatically generated">
-              <a:extLst>
-                <a:ext uri="{FF2B5EF4-FFF2-40B4-BE49-F238E27FC236}">
-                  <a16:creationId xmlns:a16="http://schemas.microsoft.com/office/drawing/2014/main" id="{73AAFE5C-0B20-4797-B688-4039AC5F2CF3}"/>
-                </a:ext>
-              </a:extLst>
-            </p:cNvPr>
+            <p:cNvPr id="23" name="Picture 22" descr="A picture containing silhouette&#10;&#10;Description automatically generated"/>
             <p:cNvPicPr>
               <a:picLocks noChangeAspect="1"/>
             </p:cNvPicPr>
             <p:nvPr/>
           </p:nvPicPr>
           <p:blipFill>
-            <a:blip r:embed="rId4">
+            <a:blip r:embed="rId4" cstate="print">
               <a:extLst>
                 <a:ext uri="{28A0092B-C50C-407E-A947-70E740481C1C}">
                   <a14:useLocalDpi xmlns:a14="http://schemas.microsoft.com/office/drawing/2010/main" val="0"/>
@@ -3472,20 +3016,14 @@
         </p:pic>
         <p:pic>
           <p:nvPicPr>
-            <p:cNvPr id="27" name="Picture 26" descr="A picture containing silhouette&#10;&#10;Description automatically generated">
-              <a:extLst>
-                <a:ext uri="{FF2B5EF4-FFF2-40B4-BE49-F238E27FC236}">
-                  <a16:creationId xmlns:a16="http://schemas.microsoft.com/office/drawing/2014/main" id="{3B286061-9BDA-425B-B180-0DDC167119BF}"/>
-                </a:ext>
-              </a:extLst>
-            </p:cNvPr>
+            <p:cNvPr id="27" name="Picture 26" descr="A picture containing silhouette&#10;&#10;Description automatically generated"/>
             <p:cNvPicPr>
               <a:picLocks noChangeAspect="1"/>
             </p:cNvPicPr>
             <p:nvPr/>
           </p:nvPicPr>
           <p:blipFill>
-            <a:blip r:embed="rId5">
+            <a:blip r:embed="rId5" cstate="print">
               <a:extLst>
                 <a:ext uri="{28A0092B-C50C-407E-A947-70E740481C1C}">
                   <a14:useLocalDpi xmlns:a14="http://schemas.microsoft.com/office/drawing/2010/main" val="0"/>
@@ -3508,20 +3046,14 @@
         </p:pic>
         <p:pic>
           <p:nvPicPr>
-            <p:cNvPr id="29" name="Picture 28" descr="A picture containing mountain, cave&#10;&#10;Description automatically generated">
-              <a:extLst>
-                <a:ext uri="{FF2B5EF4-FFF2-40B4-BE49-F238E27FC236}">
-                  <a16:creationId xmlns:a16="http://schemas.microsoft.com/office/drawing/2014/main" id="{3D82513F-EEF5-416D-AF49-CBE446523CF1}"/>
-                </a:ext>
-              </a:extLst>
-            </p:cNvPr>
+            <p:cNvPr id="29" name="Picture 28" descr="A picture containing mountain, cave&#10;&#10;Description automatically generated"/>
             <p:cNvPicPr>
               <a:picLocks noChangeAspect="1"/>
             </p:cNvPicPr>
             <p:nvPr/>
           </p:nvPicPr>
           <p:blipFill>
-            <a:blip r:embed="rId6">
+            <a:blip r:embed="rId6" cstate="print">
               <a:extLst>
                 <a:ext uri="{28A0092B-C50C-407E-A947-70E740481C1C}">
                   <a14:useLocalDpi xmlns:a14="http://schemas.microsoft.com/office/drawing/2010/main" val="0"/>
@@ -3544,20 +3076,14 @@
         </p:pic>
         <p:pic>
           <p:nvPicPr>
-            <p:cNvPr id="31" name="Picture 30" descr="A close-up of a plant&#10;&#10;Description automatically generated with low confidence">
-              <a:extLst>
-                <a:ext uri="{FF2B5EF4-FFF2-40B4-BE49-F238E27FC236}">
-                  <a16:creationId xmlns:a16="http://schemas.microsoft.com/office/drawing/2014/main" id="{96D1FBDA-9761-47C5-870E-5E21296BA7AA}"/>
-                </a:ext>
-              </a:extLst>
-            </p:cNvPr>
+            <p:cNvPr id="31" name="Picture 30" descr="A close-up of a plant&#10;&#10;Description automatically generated with low confidence"/>
             <p:cNvPicPr>
               <a:picLocks noChangeAspect="1"/>
             </p:cNvPicPr>
             <p:nvPr/>
           </p:nvPicPr>
           <p:blipFill>
-            <a:blip r:embed="rId7">
+            <a:blip r:embed="rId7" cstate="print">
               <a:extLst>
                 <a:ext uri="{28A0092B-C50C-407E-A947-70E740481C1C}">
                   <a14:useLocalDpi xmlns:a14="http://schemas.microsoft.com/office/drawing/2010/main" val="0"/>
@@ -3580,20 +3106,14 @@
         </p:pic>
         <p:pic>
           <p:nvPicPr>
-            <p:cNvPr id="33" name="Picture 32" descr="A hand holding a plant&#10;&#10;Description automatically generated with medium confidence">
-              <a:extLst>
-                <a:ext uri="{FF2B5EF4-FFF2-40B4-BE49-F238E27FC236}">
-                  <a16:creationId xmlns:a16="http://schemas.microsoft.com/office/drawing/2014/main" id="{E91C0E40-0364-4991-92E9-E6D7D2041F12}"/>
-                </a:ext>
-              </a:extLst>
-            </p:cNvPr>
+            <p:cNvPr id="33" name="Picture 32" descr="A hand holding a plant&#10;&#10;Description automatically generated with medium confidence"/>
             <p:cNvPicPr>
               <a:picLocks noChangeAspect="1"/>
             </p:cNvPicPr>
             <p:nvPr/>
           </p:nvPicPr>
           <p:blipFill>
-            <a:blip r:embed="rId8">
+            <a:blip r:embed="rId8" cstate="print">
               <a:extLst>
                 <a:ext uri="{28A0092B-C50C-407E-A947-70E740481C1C}">
                   <a14:useLocalDpi xmlns:a14="http://schemas.microsoft.com/office/drawing/2010/main" val="0"/>
@@ -3616,20 +3136,14 @@
         </p:pic>
         <p:pic>
           <p:nvPicPr>
-            <p:cNvPr id="35" name="Picture 34" descr="A black and white image of a person's face&#10;&#10;Description automatically generated with low confidence">
-              <a:extLst>
-                <a:ext uri="{FF2B5EF4-FFF2-40B4-BE49-F238E27FC236}">
-                  <a16:creationId xmlns:a16="http://schemas.microsoft.com/office/drawing/2014/main" id="{E9DD514B-996C-4083-BD37-3CB5DCF93C28}"/>
-                </a:ext>
-              </a:extLst>
-            </p:cNvPr>
+            <p:cNvPr id="35" name="Picture 34" descr="A black and white image of a person's face&#10;&#10;Description automatically generated with low confidence"/>
             <p:cNvPicPr>
               <a:picLocks noChangeAspect="1"/>
             </p:cNvPicPr>
             <p:nvPr/>
           </p:nvPicPr>
           <p:blipFill>
-            <a:blip r:embed="rId9">
+            <a:blip r:embed="rId9" cstate="print">
               <a:extLst>
                 <a:ext uri="{28A0092B-C50C-407E-A947-70E740481C1C}">
                   <a14:useLocalDpi xmlns:a14="http://schemas.microsoft.com/office/drawing/2010/main" val="0"/>
@@ -3652,13 +3166,7 @@
         </p:pic>
         <p:sp>
           <p:nvSpPr>
-            <p:cNvPr id="36" name="TextBox 35">
-              <a:extLst>
-                <a:ext uri="{FF2B5EF4-FFF2-40B4-BE49-F238E27FC236}">
-                  <a16:creationId xmlns:a16="http://schemas.microsoft.com/office/drawing/2014/main" id="{34E16292-70D4-4062-9823-9CFEEF424F84}"/>
-                </a:ext>
-              </a:extLst>
-            </p:cNvPr>
+            <p:cNvPr id="36" name="TextBox 35"/>
             <p:cNvSpPr txBox="1"/>
             <p:nvPr/>
           </p:nvSpPr>
@@ -3702,16 +3210,146 @@
         </p:sp>
       </p:grpSp>
     </p:spTree>
-    <p:extLst>
-      <p:ext uri="{BB962C8B-B14F-4D97-AF65-F5344CB8AC3E}">
-        <p14:creationId xmlns:p14="http://schemas.microsoft.com/office/powerpoint/2010/main" val="3758363235"/>
-      </p:ext>
-    </p:extLst>
   </p:cSld>
   <p:clrMapOvr>
     <a:masterClrMapping/>
   </p:clrMapOvr>
 </p:sld>
+</file>
+
+<file path=ppt/slides/slide2.xml><?xml version="1.0" encoding="utf-8"?>
+<p:sld xmlns:a="http://schemas.openxmlformats.org/drawingml/2006/main" xmlns:r="http://schemas.openxmlformats.org/officeDocument/2006/relationships" xmlns:p="http://schemas.openxmlformats.org/presentationml/2006/main">
+  <p:cSld>
+    <p:spTree>
+      <p:nvGrpSpPr>
+        <p:cNvPr id="1" name=""/>
+        <p:cNvGrpSpPr/>
+        <p:nvPr/>
+      </p:nvGrpSpPr>
+      <p:grpSpPr>
+        <a:xfrm>
+          <a:off x="0" y="0"/>
+          <a:ext cx="0" cy="0"/>
+          <a:chOff x="0" y="0"/>
+          <a:chExt cx="0" cy="0"/>
+        </a:xfrm>
+      </p:grpSpPr>
+      <p:sp>
+        <p:nvSpPr>
+          <p:cNvPr id="2" name="Rectangle 1">
+            <a:extLst>
+              <a:ext uri="{FF2B5EF4-FFF2-40B4-BE49-F238E27FC236}">
+                <a16:creationId xmlns:a16="http://schemas.microsoft.com/office/drawing/2014/main" id="{FF27BA30-AA01-42A7-8CAB-914750CCF204}"/>
+              </a:ext>
+            </a:extLst>
+          </p:cNvPr>
+          <p:cNvSpPr/>
+          <p:nvPr/>
+        </p:nvSpPr>
+        <p:spPr>
+          <a:xfrm>
+            <a:off x="1735825" y="1274159"/>
+            <a:ext cx="7915275" cy="4276725"/>
+          </a:xfrm>
+          <a:prstGeom prst="rect">
+            <a:avLst/>
+          </a:prstGeom>
+          <a:solidFill>
+            <a:schemeClr val="bg1"/>
+          </a:solidFill>
+          <a:ln>
+            <a:noFill/>
+          </a:ln>
+        </p:spPr>
+        <p:style>
+          <a:lnRef idx="2">
+            <a:schemeClr val="accent1">
+              <a:shade val="50000"/>
+            </a:schemeClr>
+          </a:lnRef>
+          <a:fillRef idx="1">
+            <a:schemeClr val="accent1"/>
+          </a:fillRef>
+          <a:effectRef idx="0">
+            <a:schemeClr val="accent1"/>
+          </a:effectRef>
+          <a:fontRef idx="minor">
+            <a:schemeClr val="lt1"/>
+          </a:fontRef>
+        </p:style>
+        <p:txBody>
+          <a:bodyPr rtlCol="0" anchor="ctr"/>
+          <a:lstStyle/>
+          <a:p>
+            <a:pPr algn="ctr"/>
+            <a:endParaRPr lang="zh-CN" altLang="en-US"/>
+          </a:p>
+        </p:txBody>
+      </p:sp>
+      <p:pic>
+        <p:nvPicPr>
+          <p:cNvPr id="4" name="图片 3"/>
+          <p:cNvPicPr>
+            <a:picLocks noChangeAspect="1"/>
+          </p:cNvPicPr>
+          <p:nvPr>
+            <p:custDataLst>
+              <p:tags r:id="rId1"/>
+            </p:custDataLst>
+          </p:nvPr>
+        </p:nvPicPr>
+        <p:blipFill>
+          <a:blip r:embed="rId3"/>
+          <a:stretch>
+            <a:fillRect/>
+          </a:stretch>
+        </p:blipFill>
+        <p:spPr>
+          <a:xfrm>
+            <a:off x="1784985" y="1303655"/>
+            <a:ext cx="7947660" cy="2257425"/>
+          </a:xfrm>
+          <a:prstGeom prst="rect">
+            <a:avLst/>
+          </a:prstGeom>
+        </p:spPr>
+      </p:pic>
+      <p:pic>
+        <p:nvPicPr>
+          <p:cNvPr id="5" name="图片 4"/>
+          <p:cNvPicPr>
+            <a:picLocks noChangeAspect="1"/>
+          </p:cNvPicPr>
+          <p:nvPr/>
+        </p:nvPicPr>
+        <p:blipFill>
+          <a:blip r:embed="rId4"/>
+          <a:stretch>
+            <a:fillRect/>
+          </a:stretch>
+        </p:blipFill>
+        <p:spPr>
+          <a:xfrm>
+            <a:off x="1784985" y="3561080"/>
+            <a:ext cx="7915275" cy="2019300"/>
+          </a:xfrm>
+          <a:prstGeom prst="rect">
+            <a:avLst/>
+          </a:prstGeom>
+        </p:spPr>
+      </p:pic>
+    </p:spTree>
+  </p:cSld>
+  <p:clrMapOvr>
+    <a:masterClrMapping/>
+  </p:clrMapOvr>
+</p:sld>
+</file>
+
+<file path=ppt/tags/tag1.xml><?xml version="1.0" encoding="utf-8"?>
+<p:tagLst xmlns:a="http://schemas.openxmlformats.org/drawingml/2006/main" xmlns:r="http://schemas.openxmlformats.org/officeDocument/2006/relationships" xmlns:p="http://schemas.openxmlformats.org/presentationml/2006/main">
+  <p:tag name="KSO_WM_UNIT_PLACING_PICTURE_USER_VIEWPORT" val="{&quot;height&quot;:3984,&quot;width&quot;:14026}"/>
+</p:tagLst>
 </file>
 
 <file path=ppt/theme/theme1.xml><?xml version="1.0" encoding="utf-8"?>
@@ -3757,7 +3395,7 @@
     </a:clrScheme>
     <a:fontScheme name="Office">
       <a:majorFont>
-        <a:latin typeface="Calibri Light" panose="020F0302020204030204"/>
+        <a:latin typeface="Calibri Light"/>
         <a:ea typeface=""/>
         <a:cs typeface=""/>
         <a:font script="Jpan" typeface="游ゴシック Light"/>
@@ -3790,26 +3428,9 @@
         <a:font script="Viet" typeface="Times New Roman"/>
         <a:font script="Uigh" typeface="Microsoft Uighur"/>
         <a:font script="Geor" typeface="Sylfaen"/>
-        <a:font script="Armn" typeface="Arial"/>
-        <a:font script="Bugi" typeface="Leelawadee UI"/>
-        <a:font script="Bopo" typeface="Microsoft JhengHei"/>
-        <a:font script="Java" typeface="Javanese Text"/>
-        <a:font script="Lisu" typeface="Segoe UI"/>
-        <a:font script="Mymr" typeface="Myanmar Text"/>
-        <a:font script="Nkoo" typeface="Ebrima"/>
-        <a:font script="Olck" typeface="Nirmala UI"/>
-        <a:font script="Osma" typeface="Ebrima"/>
-        <a:font script="Phag" typeface="Phagspa"/>
-        <a:font script="Syrn" typeface="Estrangelo Edessa"/>
-        <a:font script="Syrj" typeface="Estrangelo Edessa"/>
-        <a:font script="Syre" typeface="Estrangelo Edessa"/>
-        <a:font script="Sora" typeface="Nirmala UI"/>
-        <a:font script="Tale" typeface="Microsoft Tai Le"/>
-        <a:font script="Talu" typeface="Microsoft New Tai Lue"/>
-        <a:font script="Tfng" typeface="Ebrima"/>
       </a:majorFont>
       <a:minorFont>
-        <a:latin typeface="Calibri" panose="020F0502020204030204"/>
+        <a:latin typeface="Calibri"/>
         <a:ea typeface=""/>
         <a:cs typeface=""/>
         <a:font script="Jpan" typeface="游ゴシック"/>
@@ -3842,23 +3463,6 @@
         <a:font script="Viet" typeface="Arial"/>
         <a:font script="Uigh" typeface="Microsoft Uighur"/>
         <a:font script="Geor" typeface="Sylfaen"/>
-        <a:font script="Armn" typeface="Arial"/>
-        <a:font script="Bugi" typeface="Leelawadee UI"/>
-        <a:font script="Bopo" typeface="Microsoft JhengHei"/>
-        <a:font script="Java" typeface="Javanese Text"/>
-        <a:font script="Lisu" typeface="Segoe UI"/>
-        <a:font script="Mymr" typeface="Myanmar Text"/>
-        <a:font script="Nkoo" typeface="Ebrima"/>
-        <a:font script="Olck" typeface="Nirmala UI"/>
-        <a:font script="Osma" typeface="Ebrima"/>
-        <a:font script="Phag" typeface="Phagspa"/>
-        <a:font script="Syrn" typeface="Estrangelo Edessa"/>
-        <a:font script="Syrj" typeface="Estrangelo Edessa"/>
-        <a:font script="Syre" typeface="Estrangelo Edessa"/>
-        <a:font script="Sora" typeface="Nirmala UI"/>
-        <a:font script="Tale" typeface="Microsoft Tai Le"/>
-        <a:font script="Talu" typeface="Microsoft New Tai Lue"/>
-        <a:font script="Tfng" typeface="Ebrima"/>
       </a:minorFont>
     </a:fontScheme>
     <a:fmtScheme name="Office">
